--- a/overview.pptx
+++ b/overview.pptx
@@ -9,15 +9,16 @@
     <p:sldMasterId id="2147483678" r:id="rId5"/>
   </p:sldMasterIdLst>
   <p:notesMasterIdLst>
-    <p:notesMasterId r:id="rId9"/>
+    <p:notesMasterId r:id="rId10"/>
   </p:notesMasterIdLst>
   <p:handoutMasterIdLst>
-    <p:handoutMasterId r:id="rId10"/>
+    <p:handoutMasterId r:id="rId11"/>
   </p:handoutMasterIdLst>
   <p:sldIdLst>
     <p:sldId id="292" r:id="rId6"/>
     <p:sldId id="293" r:id="rId7"/>
-    <p:sldId id="274" r:id="rId8"/>
+    <p:sldId id="294" r:id="rId8"/>
+    <p:sldId id="274" r:id="rId9"/>
   </p:sldIdLst>
   <p:sldSz cx="9906000" cy="6858000" type="A4"/>
   <p:notesSz cx="6761163" cy="9942513"/>
@@ -8715,7 +8716,7 @@
                 <a:latin typeface="+mn-ea"/>
                 <a:ea typeface="+mn-ea"/>
               </a:rPr>
-              <a:t>/2</a:t>
+              <a:t>/3</a:t>
             </a:r>
             <a:endParaRPr kumimoji="0" lang="en-US" altLang="ko-KR" sz="1100" b="1" dirty="0">
               <a:solidFill>
@@ -10580,21 +10581,7 @@
                 <a:latin typeface="맑은 고딕" panose="020B0503020000020004" pitchFamily="50" charset="-127"/>
                 <a:ea typeface="맑은 고딕" panose="020B0503020000020004" pitchFamily="50" charset="-127"/>
               </a:rPr>
-              <a:t>김</a:t>
-            </a:r>
-            <a:r>
-              <a:rPr lang="ko-KR" altLang="en-US" kern="1200" dirty="0" smtClean="0">
-                <a:latin typeface="맑은 고딕" panose="020B0503020000020004" pitchFamily="50" charset="-127"/>
-                <a:ea typeface="맑은 고딕" panose="020B0503020000020004" pitchFamily="50" charset="-127"/>
-              </a:rPr>
-              <a:t>태훈</a:t>
-            </a:r>
-            <a:r>
-              <a:rPr lang="ko-KR" altLang="en-US" kern="1200" dirty="0" smtClean="0">
-                <a:latin typeface="맑은 고딕" panose="020B0503020000020004" pitchFamily="50" charset="-127"/>
-                <a:ea typeface="맑은 고딕" panose="020B0503020000020004" pitchFamily="50" charset="-127"/>
-              </a:rPr>
-              <a:t>  </a:t>
+              <a:t>김태훈  </a:t>
             </a:r>
             <a:r>
               <a:rPr lang="en-US" altLang="ko-KR" kern="1200" dirty="0" smtClean="0">
@@ -10671,21 +10658,7 @@
                 <a:latin typeface="맑은 고딕" panose="020B0503020000020004" pitchFamily="50" charset="-127"/>
                 <a:ea typeface="맑은 고딕" panose="020B0503020000020004" pitchFamily="50" charset="-127"/>
               </a:rPr>
-              <a:t>. </a:t>
-            </a:r>
-            <a:r>
-              <a:rPr lang="en-US" altLang="ko-KR" kern="1200" dirty="0" smtClean="0">
-                <a:latin typeface="맑은 고딕" panose="020B0503020000020004" pitchFamily="50" charset="-127"/>
-                <a:ea typeface="맑은 고딕" panose="020B0503020000020004" pitchFamily="50" charset="-127"/>
-              </a:rPr>
-              <a:t>28</a:t>
-            </a:r>
-            <a:r>
-              <a:rPr lang="en-US" altLang="ko-KR" kern="1200" dirty="0" smtClean="0">
-                <a:latin typeface="맑은 고딕" panose="020B0503020000020004" pitchFamily="50" charset="-127"/>
-                <a:ea typeface="맑은 고딕" panose="020B0503020000020004" pitchFamily="50" charset="-127"/>
-              </a:rPr>
-              <a:t>.</a:t>
+              <a:t>. 28.</a:t>
             </a:r>
             <a:endParaRPr lang="ko-KR" altLang="en-US" kern="1200" spc="-100" dirty="0">
               <a:latin typeface="맑은 고딕" panose="020B0503020000020004" pitchFamily="50" charset="-127"/>
@@ -11335,7 +11308,6 @@
               <a:rPr lang="en-US" altLang="ko-KR" sz="1200" kern="0" dirty="0" smtClean="0"/>
               <a:t> </a:t>
             </a:r>
-            <a:endParaRPr lang="en-US" altLang="ko-KR" sz="1200" kern="0" dirty="0" smtClean="0"/>
           </a:p>
         </p:txBody>
       </p:sp>
@@ -11395,6 +11367,1179 @@
       </p:grpSpPr>
       <p:sp>
         <p:nvSpPr>
+          <p:cNvPr id="2" name="제목 1"/>
+          <p:cNvSpPr>
+            <a:spLocks noGrp="1"/>
+          </p:cNvSpPr>
+          <p:nvPr>
+            <p:ph type="title"/>
+          </p:nvPr>
+        </p:nvSpPr>
+        <p:spPr/>
+        <p:txBody>
+          <a:bodyPr/>
+          <a:lstStyle/>
+          <a:p>
+            <a:r>
+              <a:rPr lang="en-US" altLang="ko-KR" dirty="0" smtClean="0"/>
+              <a:t>Data </a:t>
+            </a:r>
+            <a:r>
+              <a:rPr lang="ko-KR" altLang="en-US" dirty="0" smtClean="0"/>
+              <a:t>전처리</a:t>
+            </a:r>
+            <a:endParaRPr lang="ko-KR" altLang="en-US" dirty="0"/>
+          </a:p>
+        </p:txBody>
+      </p:sp>
+      <p:sp>
+        <p:nvSpPr>
+          <p:cNvPr id="3" name="내용 개체 틀 2"/>
+          <p:cNvSpPr>
+            <a:spLocks noGrp="1"/>
+          </p:cNvSpPr>
+          <p:nvPr>
+            <p:ph idx="1"/>
+          </p:nvPr>
+        </p:nvSpPr>
+        <p:spPr/>
+        <p:txBody>
+          <a:bodyPr/>
+          <a:lstStyle/>
+          <a:p>
+            <a:r>
+              <a:rPr lang="en-US" altLang="ko-KR" dirty="0" smtClean="0"/>
+              <a:t>SMILES </a:t>
+            </a:r>
+            <a:r>
+              <a:rPr lang="ko-KR" altLang="en-US" dirty="0" smtClean="0"/>
+              <a:t>처리</a:t>
+            </a:r>
+            <a:endParaRPr lang="en-US" altLang="ko-KR" dirty="0" smtClean="0"/>
+          </a:p>
+          <a:p>
+            <a:pPr lvl="1"/>
+            <a:r>
+              <a:rPr lang="ko-KR" altLang="en-US" dirty="0" smtClean="0"/>
+              <a:t>시작 </a:t>
+            </a:r>
+            <a:r>
+              <a:rPr lang="en-US" altLang="ko-KR" dirty="0" smtClean="0"/>
+              <a:t>/ </a:t>
+            </a:r>
+            <a:r>
+              <a:rPr lang="ko-KR" altLang="en-US" dirty="0" err="1" smtClean="0"/>
+              <a:t>끝지정</a:t>
+            </a:r>
+            <a:endParaRPr lang="en-US" altLang="ko-KR" dirty="0" smtClean="0"/>
+          </a:p>
+          <a:p>
+            <a:pPr lvl="2"/>
+            <a:r>
+              <a:rPr lang="ko-KR" altLang="en-US" dirty="0" smtClean="0"/>
+              <a:t>시작 </a:t>
+            </a:r>
+            <a:r>
+              <a:rPr lang="en-US" altLang="ko-KR" dirty="0" smtClean="0"/>
+              <a:t>: !</a:t>
+            </a:r>
+          </a:p>
+          <a:p>
+            <a:pPr lvl="3"/>
+            <a:r>
+              <a:rPr lang="en-US" altLang="ko-KR" dirty="0" smtClean="0"/>
+              <a:t>Character </a:t>
+            </a:r>
+            <a:r>
+              <a:rPr lang="ko-KR" altLang="en-US" dirty="0" smtClean="0"/>
+              <a:t>↔ </a:t>
+            </a:r>
+            <a:r>
+              <a:rPr lang="en-US" altLang="ko-KR" dirty="0" smtClean="0"/>
+              <a:t>index : </a:t>
+            </a:r>
+            <a:r>
+              <a:rPr lang="ko-KR" altLang="en-US" dirty="0" err="1" smtClean="0"/>
+              <a:t>전처리할</a:t>
+            </a:r>
+            <a:r>
+              <a:rPr lang="ko-KR" altLang="en-US" dirty="0" smtClean="0"/>
+              <a:t> 때 </a:t>
+            </a:r>
+            <a:r>
+              <a:rPr lang="en-US" altLang="ko-KR" dirty="0" smtClean="0"/>
+              <a:t>character sorting </a:t>
+            </a:r>
+            <a:r>
+              <a:rPr lang="ko-KR" altLang="en-US" dirty="0" smtClean="0"/>
+              <a:t>하면 </a:t>
+            </a:r>
+            <a:r>
+              <a:rPr lang="en-US" altLang="ko-KR" dirty="0" smtClean="0"/>
+              <a:t>! </a:t>
+            </a:r>
+            <a:r>
+              <a:rPr lang="ko-KR" altLang="en-US" dirty="0" smtClean="0"/>
+              <a:t>가 가장 처음으로 와서 </a:t>
+            </a:r>
+            <a:r>
+              <a:rPr lang="en-US" altLang="ko-KR" dirty="0" smtClean="0"/>
+              <a:t>0</a:t>
+            </a:r>
+            <a:r>
+              <a:rPr lang="ko-KR" altLang="en-US" dirty="0" smtClean="0"/>
+              <a:t>으로 </a:t>
+            </a:r>
+            <a:r>
+              <a:rPr lang="en-US" altLang="ko-KR" dirty="0" smtClean="0"/>
+              <a:t>indexing </a:t>
+            </a:r>
+            <a:r>
+              <a:rPr lang="ko-KR" altLang="en-US" dirty="0" smtClean="0"/>
+              <a:t>가능</a:t>
+            </a:r>
+            <a:endParaRPr lang="en-US" altLang="ko-KR" dirty="0" smtClean="0"/>
+          </a:p>
+          <a:p>
+            <a:pPr lvl="3"/>
+            <a:r>
+              <a:rPr lang="en-US" altLang="ko-KR" dirty="0" smtClean="0"/>
+              <a:t>Padding</a:t>
+            </a:r>
+            <a:r>
+              <a:rPr lang="ko-KR" altLang="en-US" dirty="0" smtClean="0"/>
+              <a:t>과 같이 </a:t>
+            </a:r>
+            <a:r>
+              <a:rPr lang="en-US" altLang="ko-KR" dirty="0" smtClean="0"/>
+              <a:t>0</a:t>
+            </a:r>
+            <a:r>
+              <a:rPr lang="ko-KR" altLang="en-US" dirty="0" smtClean="0"/>
+              <a:t>으로 처리할 수 있음</a:t>
+            </a:r>
+            <a:endParaRPr lang="en-US" altLang="ko-KR" dirty="0" smtClean="0"/>
+          </a:p>
+          <a:p>
+            <a:pPr lvl="2"/>
+            <a:r>
+              <a:rPr lang="ko-KR" altLang="en-US" dirty="0" smtClean="0"/>
+              <a:t>끝 </a:t>
+            </a:r>
+            <a:r>
+              <a:rPr lang="en-US" altLang="ko-KR" dirty="0" smtClean="0"/>
+              <a:t>: E</a:t>
+            </a:r>
+          </a:p>
+          <a:p>
+            <a:pPr lvl="1"/>
+            <a:r>
+              <a:rPr lang="en-US" altLang="ko-KR" dirty="0" smtClean="0"/>
+              <a:t>Character indexing</a:t>
+            </a:r>
+          </a:p>
+          <a:p>
+            <a:pPr lvl="1"/>
+            <a:r>
+              <a:rPr lang="en-US" altLang="ko-KR" dirty="0" smtClean="0"/>
+              <a:t>Integer encoding</a:t>
+            </a:r>
+          </a:p>
+          <a:p>
+            <a:pPr lvl="1"/>
+            <a:r>
+              <a:rPr lang="en-US" altLang="ko-KR" dirty="0" smtClean="0"/>
+              <a:t>One-hot encoding</a:t>
+            </a:r>
+            <a:endParaRPr lang="ko-KR" altLang="en-US" dirty="0"/>
+          </a:p>
+        </p:txBody>
+      </p:sp>
+      <p:pic>
+        <p:nvPicPr>
+          <p:cNvPr id="4" name="그림 3"/>
+          <p:cNvPicPr>
+            <a:picLocks noChangeAspect="1"/>
+          </p:cNvPicPr>
+          <p:nvPr/>
+        </p:nvPicPr>
+        <p:blipFill>
+          <a:blip r:embed="rId2"/>
+          <a:stretch>
+            <a:fillRect/>
+          </a:stretch>
+        </p:blipFill>
+        <p:spPr>
+          <a:xfrm>
+            <a:off x="350489" y="4293096"/>
+            <a:ext cx="2877442" cy="603132"/>
+          </a:xfrm>
+          <a:prstGeom prst="rect">
+            <a:avLst/>
+          </a:prstGeom>
+        </p:spPr>
+      </p:pic>
+      <p:sp>
+        <p:nvSpPr>
+          <p:cNvPr id="5" name="TextBox 4"/>
+          <p:cNvSpPr txBox="1"/>
+          <p:nvPr/>
+        </p:nvSpPr>
+        <p:spPr>
+          <a:xfrm>
+            <a:off x="1249150" y="4941168"/>
+            <a:ext cx="1080120" cy="276999"/>
+          </a:xfrm>
+          <a:prstGeom prst="rect">
+            <a:avLst/>
+          </a:prstGeom>
+          <a:noFill/>
+        </p:spPr>
+        <p:txBody>
+          <a:bodyPr wrap="square" rtlCol="0">
+            <a:spAutoFit/>
+          </a:bodyPr>
+          <a:lstStyle/>
+          <a:p>
+            <a:pPr algn="ctr"/>
+            <a:r>
+              <a:rPr lang="en-US" altLang="ko-KR" sz="1200" dirty="0" smtClean="0"/>
+              <a:t>SMILES list</a:t>
+            </a:r>
+            <a:endParaRPr lang="ko-KR" altLang="en-US" sz="1200" dirty="0"/>
+          </a:p>
+        </p:txBody>
+      </p:sp>
+      <p:pic>
+        <p:nvPicPr>
+          <p:cNvPr id="6" name="그림 5"/>
+          <p:cNvPicPr>
+            <a:picLocks noChangeAspect="1"/>
+          </p:cNvPicPr>
+          <p:nvPr/>
+        </p:nvPicPr>
+        <p:blipFill>
+          <a:blip r:embed="rId3"/>
+          <a:stretch>
+            <a:fillRect/>
+          </a:stretch>
+        </p:blipFill>
+        <p:spPr>
+          <a:xfrm>
+            <a:off x="3538008" y="3861047"/>
+            <a:ext cx="533312" cy="1485654"/>
+          </a:xfrm>
+          <a:prstGeom prst="rect">
+            <a:avLst/>
+          </a:prstGeom>
+        </p:spPr>
+      </p:pic>
+      <p:pic>
+        <p:nvPicPr>
+          <p:cNvPr id="7" name="그림 6"/>
+          <p:cNvPicPr>
+            <a:picLocks noChangeAspect="1"/>
+          </p:cNvPicPr>
+          <p:nvPr/>
+        </p:nvPicPr>
+        <p:blipFill>
+          <a:blip r:embed="rId4"/>
+          <a:stretch>
+            <a:fillRect/>
+          </a:stretch>
+        </p:blipFill>
+        <p:spPr>
+          <a:xfrm>
+            <a:off x="4088904" y="3861048"/>
+            <a:ext cx="529224" cy="1485654"/>
+          </a:xfrm>
+          <a:prstGeom prst="rect">
+            <a:avLst/>
+          </a:prstGeom>
+        </p:spPr>
+      </p:pic>
+      <p:sp>
+        <p:nvSpPr>
+          <p:cNvPr id="8" name="TextBox 7"/>
+          <p:cNvSpPr txBox="1"/>
+          <p:nvPr/>
+        </p:nvSpPr>
+        <p:spPr>
+          <a:xfrm>
+            <a:off x="3531260" y="5465147"/>
+            <a:ext cx="1080120" cy="461665"/>
+          </a:xfrm>
+          <a:prstGeom prst="rect">
+            <a:avLst/>
+          </a:prstGeom>
+          <a:noFill/>
+        </p:spPr>
+        <p:txBody>
+          <a:bodyPr wrap="square" rtlCol="0">
+            <a:spAutoFit/>
+          </a:bodyPr>
+          <a:lstStyle/>
+          <a:p>
+            <a:pPr algn="ctr"/>
+            <a:r>
+              <a:rPr lang="en-US" altLang="ko-KR" sz="1200" dirty="0" smtClean="0"/>
+              <a:t>Indexing</a:t>
+            </a:r>
+          </a:p>
+          <a:p>
+            <a:pPr algn="ctr"/>
+            <a:r>
+              <a:rPr lang="en-US" altLang="ko-KR" sz="1200" dirty="0" smtClean="0"/>
+              <a:t>(Cl ?)</a:t>
+            </a:r>
+            <a:endParaRPr lang="ko-KR" altLang="en-US" sz="1200" dirty="0"/>
+          </a:p>
+        </p:txBody>
+      </p:sp>
+      <p:sp>
+        <p:nvSpPr>
+          <p:cNvPr id="9" name="Rectangle 1"/>
+          <p:cNvSpPr>
+            <a:spLocks noChangeArrowheads="1"/>
+          </p:cNvSpPr>
+          <p:nvPr/>
+        </p:nvSpPr>
+        <p:spPr bwMode="auto">
+          <a:xfrm>
+            <a:off x="5097016" y="3861047"/>
+            <a:ext cx="4421744" cy="461665"/>
+          </a:xfrm>
+          <a:prstGeom prst="rect">
+            <a:avLst/>
+          </a:prstGeom>
+          <a:solidFill>
+            <a:srgbClr val="FFFFFF"/>
+          </a:solidFill>
+          <a:ln>
+            <a:noFill/>
+          </a:ln>
+          <a:effectLst/>
+          <a:extLst>
+            <a:ext uri="{91240B29-F687-4F45-9708-019B960494DF}">
+              <a14:hiddenLine xmlns:a14="http://schemas.microsoft.com/office/drawing/2010/main" w="9525">
+                <a:solidFill>
+                  <a:schemeClr val="tx1"/>
+                </a:solidFill>
+                <a:miter lim="800000"/>
+                <a:headEnd/>
+                <a:tailEnd/>
+              </a14:hiddenLine>
+            </a:ext>
+            <a:ext uri="{AF507438-7753-43E0-B8FC-AC1667EBCBE1}">
+              <a14:hiddenEffects xmlns:a14="http://schemas.microsoft.com/office/drawing/2010/main">
+                <a:effectLst>
+                  <a:outerShdw dist="35921" dir="2700000" algn="ctr" rotWithShape="0">
+                    <a:schemeClr val="bg2"/>
+                  </a:outerShdw>
+                </a:effectLst>
+              </a14:hiddenEffects>
+            </a:ext>
+          </a:extLst>
+        </p:spPr>
+        <p:txBody>
+          <a:bodyPr vert="horz" wrap="square" lIns="0" tIns="0" rIns="0" bIns="0" numCol="1" anchor="ctr" anchorCtr="0" compatLnSpc="1">
+            <a:prstTxWarp prst="textNoShape">
+              <a:avLst/>
+            </a:prstTxWarp>
+            <a:spAutoFit/>
+          </a:bodyPr>
+          <a:lstStyle/>
+          <a:p>
+            <a:pPr marL="0" marR="0" lvl="0" indent="0" algn="l" defTabSz="914400" rtl="0" eaLnBrk="0" fontAlgn="base" latinLnBrk="0" hangingPunct="0">
+              <a:lnSpc>
+                <a:spcPct val="100000"/>
+              </a:lnSpc>
+              <a:spcBef>
+                <a:spcPct val="0"/>
+              </a:spcBef>
+              <a:spcAft>
+                <a:spcPct val="0"/>
+              </a:spcAft>
+              <a:buClrTx/>
+              <a:buSzTx/>
+              <a:buFontTx/>
+              <a:buNone/>
+              <a:tabLst/>
+            </a:pPr>
+            <a:r>
+              <a:rPr kumimoji="0" lang="ko-KR" altLang="ko-KR" sz="500" b="0" i="0" u="none" strike="noStrike" cap="none" normalizeH="0" baseline="0" dirty="0" smtClean="0">
+                <a:ln>
+                  <a:noFill/>
+                </a:ln>
+                <a:solidFill>
+                  <a:schemeClr val="tx1"/>
+                </a:solidFill>
+                <a:effectLst/>
+                <a:latin typeface="Arial Unicode MS" panose="020B0604020202020204" pitchFamily="50" charset="-127"/>
+                <a:ea typeface="var(--jp-code-font-family)"/>
+              </a:rPr>
+              <a:t>[</a:t>
+            </a:r>
+            <a:endParaRPr kumimoji="0" lang="en-US" altLang="ko-KR" sz="500" b="0" i="0" u="none" strike="noStrike" cap="none" normalizeH="0" baseline="0" dirty="0" smtClean="0">
+              <a:ln>
+                <a:noFill/>
+              </a:ln>
+              <a:solidFill>
+                <a:schemeClr val="tx1"/>
+              </a:solidFill>
+              <a:effectLst/>
+              <a:latin typeface="Arial Unicode MS" panose="020B0604020202020204" pitchFamily="50" charset="-127"/>
+              <a:ea typeface="var(--jp-code-font-family)"/>
+            </a:endParaRPr>
+          </a:p>
+          <a:p>
+            <a:pPr marL="0" marR="0" lvl="0" indent="0" algn="l" defTabSz="914400" rtl="0" eaLnBrk="0" fontAlgn="base" latinLnBrk="0" hangingPunct="0">
+              <a:lnSpc>
+                <a:spcPct val="100000"/>
+              </a:lnSpc>
+              <a:spcBef>
+                <a:spcPct val="0"/>
+              </a:spcBef>
+              <a:spcAft>
+                <a:spcPct val="0"/>
+              </a:spcAft>
+              <a:buClrTx/>
+              <a:buSzTx/>
+              <a:buFontTx/>
+              <a:buNone/>
+              <a:tabLst/>
+            </a:pPr>
+            <a:r>
+              <a:rPr lang="en-US" altLang="ko-KR" sz="500" dirty="0">
+                <a:latin typeface="Arial Unicode MS" panose="020B0604020202020204" pitchFamily="50" charset="-127"/>
+                <a:ea typeface="var(--jp-code-font-family)"/>
+              </a:rPr>
+              <a:t> </a:t>
+            </a:r>
+            <a:r>
+              <a:rPr lang="en-US" altLang="ko-KR" sz="500" dirty="0" smtClean="0">
+                <a:latin typeface="Arial Unicode MS" panose="020B0604020202020204" pitchFamily="50" charset="-127"/>
+                <a:ea typeface="var(--jp-code-font-family)"/>
+              </a:rPr>
+              <a:t> </a:t>
+            </a:r>
+            <a:r>
+              <a:rPr kumimoji="0" lang="ko-KR" altLang="ko-KR" sz="500" b="0" i="0" u="none" strike="noStrike" cap="none" normalizeH="0" baseline="0" dirty="0" smtClean="0">
+                <a:ln>
+                  <a:noFill/>
+                </a:ln>
+                <a:solidFill>
+                  <a:schemeClr val="tx1"/>
+                </a:solidFill>
+                <a:effectLst/>
+                <a:latin typeface="Arial Unicode MS" panose="020B0604020202020204" pitchFamily="50" charset="-127"/>
+                <a:ea typeface="var(--jp-code-font-family)"/>
+              </a:rPr>
+              <a:t>[</a:t>
+            </a:r>
+            <a:r>
+              <a:rPr kumimoji="0" lang="en-US" altLang="ko-KR" sz="500" b="0" i="0" u="none" strike="noStrike" cap="none" normalizeH="0" baseline="0" dirty="0" smtClean="0">
+                <a:ln>
+                  <a:noFill/>
+                </a:ln>
+                <a:solidFill>
+                  <a:schemeClr val="tx1"/>
+                </a:solidFill>
+                <a:effectLst/>
+                <a:latin typeface="Arial Unicode MS" panose="020B0604020202020204" pitchFamily="50" charset="-127"/>
+                <a:ea typeface="var(--jp-code-font-family)"/>
+              </a:rPr>
+              <a:t> </a:t>
+            </a:r>
+            <a:r>
+              <a:rPr kumimoji="0" lang="ko-KR" altLang="ko-KR" sz="500" b="0" i="0" u="none" strike="noStrike" cap="none" normalizeH="0" baseline="0" dirty="0" smtClean="0">
+                <a:ln>
+                  <a:noFill/>
+                </a:ln>
+                <a:solidFill>
+                  <a:schemeClr val="tx1"/>
+                </a:solidFill>
+                <a:effectLst/>
+                <a:latin typeface="Arial Unicode MS" panose="020B0604020202020204" pitchFamily="50" charset="-127"/>
+                <a:ea typeface="var(--jp-code-font-family)"/>
+              </a:rPr>
+              <a:t>0, 7, 7, 7, 7, 7, 7, 7, 7, 7, 7, 2, 6, 10, 3, 10, 11, 4, 11, 11, 11, 2, 11, 11, 4, 3, 11, 4, 11, 11, 11, 2, 11, 11, 4, 3, 10, 7, 2, 6, 10, 3, 7, 7, 7, 7, 7, 7, 7, 7, 7, 8</a:t>
+            </a:r>
+            <a:r>
+              <a:rPr kumimoji="0" lang="en-US" altLang="ko-KR" sz="500" b="0" i="0" u="none" strike="noStrike" cap="none" normalizeH="0" baseline="0" dirty="0" smtClean="0">
+                <a:ln>
+                  <a:noFill/>
+                </a:ln>
+                <a:solidFill>
+                  <a:schemeClr val="tx1"/>
+                </a:solidFill>
+                <a:effectLst/>
+                <a:latin typeface="Arial Unicode MS" panose="020B0604020202020204" pitchFamily="50" charset="-127"/>
+                <a:ea typeface="var(--jp-code-font-family)"/>
+              </a:rPr>
+              <a:t> </a:t>
+            </a:r>
+            <a:r>
+              <a:rPr kumimoji="0" lang="ko-KR" altLang="ko-KR" sz="500" b="0" i="0" u="none" strike="noStrike" cap="none" normalizeH="0" baseline="0" dirty="0" smtClean="0">
+                <a:ln>
+                  <a:noFill/>
+                </a:ln>
+                <a:solidFill>
+                  <a:schemeClr val="tx1"/>
+                </a:solidFill>
+                <a:effectLst/>
+                <a:latin typeface="Arial Unicode MS" panose="020B0604020202020204" pitchFamily="50" charset="-127"/>
+                <a:ea typeface="var(--jp-code-font-family)"/>
+              </a:rPr>
+              <a:t>],</a:t>
+            </a:r>
+            <a:endParaRPr kumimoji="0" lang="en-US" altLang="ko-KR" sz="500" b="0" i="0" u="none" strike="noStrike" cap="none" normalizeH="0" baseline="0" dirty="0" smtClean="0">
+              <a:ln>
+                <a:noFill/>
+              </a:ln>
+              <a:solidFill>
+                <a:schemeClr val="tx1"/>
+              </a:solidFill>
+              <a:effectLst/>
+              <a:latin typeface="Arial Unicode MS" panose="020B0604020202020204" pitchFamily="50" charset="-127"/>
+              <a:ea typeface="var(--jp-code-font-family)"/>
+            </a:endParaRPr>
+          </a:p>
+          <a:p>
+            <a:pPr marL="0" marR="0" lvl="0" indent="0" algn="l" defTabSz="914400" rtl="0" eaLnBrk="0" fontAlgn="base" latinLnBrk="0" hangingPunct="0">
+              <a:lnSpc>
+                <a:spcPct val="100000"/>
+              </a:lnSpc>
+              <a:spcBef>
+                <a:spcPct val="0"/>
+              </a:spcBef>
+              <a:spcAft>
+                <a:spcPct val="0"/>
+              </a:spcAft>
+              <a:buClrTx/>
+              <a:buSzTx/>
+              <a:buFontTx/>
+              <a:buNone/>
+              <a:tabLst/>
+            </a:pPr>
+            <a:r>
+              <a:rPr kumimoji="0" lang="en-US" altLang="ko-KR" sz="500" b="0" i="0" u="none" strike="noStrike" cap="none" normalizeH="0" baseline="0" dirty="0" smtClean="0">
+                <a:ln>
+                  <a:noFill/>
+                </a:ln>
+                <a:solidFill>
+                  <a:schemeClr val="tx1"/>
+                </a:solidFill>
+                <a:effectLst/>
+                <a:latin typeface="Arial Unicode MS" panose="020B0604020202020204" pitchFamily="50" charset="-127"/>
+                <a:ea typeface="var(--jp-code-font-family)"/>
+              </a:rPr>
+              <a:t>  </a:t>
+            </a:r>
+            <a:r>
+              <a:rPr kumimoji="0" lang="ko-KR" altLang="ko-KR" sz="500" b="0" i="0" u="none" strike="noStrike" cap="none" normalizeH="0" baseline="0" dirty="0" smtClean="0">
+                <a:ln>
+                  <a:noFill/>
+                </a:ln>
+                <a:solidFill>
+                  <a:schemeClr val="tx1"/>
+                </a:solidFill>
+                <a:effectLst/>
+                <a:latin typeface="Arial Unicode MS" panose="020B0604020202020204" pitchFamily="50" charset="-127"/>
+                <a:ea typeface="var(--jp-code-font-family)"/>
+              </a:rPr>
+              <a:t>[</a:t>
+            </a:r>
+            <a:r>
+              <a:rPr kumimoji="0" lang="en-US" altLang="ko-KR" sz="500" b="0" i="0" u="none" strike="noStrike" cap="none" normalizeH="0" baseline="0" dirty="0" smtClean="0">
+                <a:ln>
+                  <a:noFill/>
+                </a:ln>
+                <a:solidFill>
+                  <a:schemeClr val="tx1"/>
+                </a:solidFill>
+                <a:effectLst/>
+                <a:latin typeface="Arial Unicode MS" panose="020B0604020202020204" pitchFamily="50" charset="-127"/>
+                <a:ea typeface="var(--jp-code-font-family)"/>
+              </a:rPr>
+              <a:t> </a:t>
+            </a:r>
+            <a:r>
+              <a:rPr kumimoji="0" lang="ko-KR" altLang="ko-KR" sz="500" b="0" i="0" u="none" strike="noStrike" cap="none" normalizeH="0" baseline="0" dirty="0" smtClean="0">
+                <a:ln>
+                  <a:noFill/>
+                </a:ln>
+                <a:solidFill>
+                  <a:schemeClr val="tx1"/>
+                </a:solidFill>
+                <a:effectLst/>
+                <a:latin typeface="Arial Unicode MS" panose="020B0604020202020204" pitchFamily="50" charset="-127"/>
+                <a:ea typeface="var(--jp-code-font-family)"/>
+              </a:rPr>
+              <a:t>0, 7, 7, 7, 7, 7, 7, 7, 7, 7, 7, 2, 6, 10, 3, 10, 11, 4, 11, 11, 11, 5, 11, 2, 11, 4, 3, 11, 11, 11, 2, 11, 5, 3, 10, 7, 2, 6, 10, 3, 7, 7, 7, 7, 7, 7, 7, 7, 7, 8</a:t>
+            </a:r>
+            <a:r>
+              <a:rPr kumimoji="0" lang="en-US" altLang="ko-KR" sz="500" b="0" i="0" u="none" strike="noStrike" cap="none" normalizeH="0" baseline="0" dirty="0" smtClean="0">
+                <a:ln>
+                  <a:noFill/>
+                </a:ln>
+                <a:solidFill>
+                  <a:schemeClr val="tx1"/>
+                </a:solidFill>
+                <a:effectLst/>
+                <a:latin typeface="Arial Unicode MS" panose="020B0604020202020204" pitchFamily="50" charset="-127"/>
+                <a:ea typeface="var(--jp-code-font-family)"/>
+              </a:rPr>
+              <a:t> </a:t>
+            </a:r>
+            <a:r>
+              <a:rPr kumimoji="0" lang="ko-KR" altLang="ko-KR" sz="500" b="0" i="0" u="none" strike="noStrike" cap="none" normalizeH="0" baseline="0" dirty="0" smtClean="0">
+                <a:ln>
+                  <a:noFill/>
+                </a:ln>
+                <a:solidFill>
+                  <a:schemeClr val="tx1"/>
+                </a:solidFill>
+                <a:effectLst/>
+                <a:latin typeface="Arial Unicode MS" panose="020B0604020202020204" pitchFamily="50" charset="-127"/>
+                <a:ea typeface="var(--jp-code-font-family)"/>
+              </a:rPr>
+              <a:t>],</a:t>
+            </a:r>
+            <a:endParaRPr kumimoji="0" lang="en-US" altLang="ko-KR" sz="500" b="0" i="0" u="none" strike="noStrike" cap="none" normalizeH="0" baseline="0" dirty="0" smtClean="0">
+              <a:ln>
+                <a:noFill/>
+              </a:ln>
+              <a:solidFill>
+                <a:schemeClr val="tx1"/>
+              </a:solidFill>
+              <a:effectLst/>
+              <a:latin typeface="Arial Unicode MS" panose="020B0604020202020204" pitchFamily="50" charset="-127"/>
+              <a:ea typeface="var(--jp-code-font-family)"/>
+            </a:endParaRPr>
+          </a:p>
+          <a:p>
+            <a:pPr marL="0" marR="0" lvl="0" indent="0" algn="l" defTabSz="914400" rtl="0" eaLnBrk="0" fontAlgn="base" latinLnBrk="0" hangingPunct="0">
+              <a:lnSpc>
+                <a:spcPct val="100000"/>
+              </a:lnSpc>
+              <a:spcBef>
+                <a:spcPct val="0"/>
+              </a:spcBef>
+              <a:spcAft>
+                <a:spcPct val="0"/>
+              </a:spcAft>
+              <a:buClrTx/>
+              <a:buSzTx/>
+              <a:buFontTx/>
+              <a:buNone/>
+              <a:tabLst/>
+            </a:pPr>
+            <a:r>
+              <a:rPr lang="en-US" altLang="ko-KR" sz="500" dirty="0">
+                <a:latin typeface="Arial Unicode MS" panose="020B0604020202020204" pitchFamily="50" charset="-127"/>
+                <a:ea typeface="var(--jp-code-font-family)"/>
+              </a:rPr>
+              <a:t> </a:t>
+            </a:r>
+            <a:r>
+              <a:rPr lang="en-US" altLang="ko-KR" sz="500" dirty="0" smtClean="0">
+                <a:latin typeface="Arial Unicode MS" panose="020B0604020202020204" pitchFamily="50" charset="-127"/>
+                <a:ea typeface="var(--jp-code-font-family)"/>
+              </a:rPr>
+              <a:t> </a:t>
+            </a:r>
+            <a:r>
+              <a:rPr kumimoji="0" lang="ko-KR" altLang="ko-KR" sz="500" b="0" i="0" u="none" strike="noStrike" cap="none" normalizeH="0" baseline="0" dirty="0" smtClean="0">
+                <a:ln>
+                  <a:noFill/>
+                </a:ln>
+                <a:solidFill>
+                  <a:schemeClr val="tx1"/>
+                </a:solidFill>
+                <a:effectLst/>
+                <a:latin typeface="Arial Unicode MS" panose="020B0604020202020204" pitchFamily="50" charset="-127"/>
+                <a:ea typeface="var(--jp-code-font-family)"/>
+              </a:rPr>
+              <a:t>[</a:t>
+            </a:r>
+            <a:r>
+              <a:rPr kumimoji="0" lang="en-US" altLang="ko-KR" sz="500" b="0" i="0" u="none" strike="noStrike" cap="none" normalizeH="0" baseline="0" dirty="0" smtClean="0">
+                <a:ln>
+                  <a:noFill/>
+                </a:ln>
+                <a:solidFill>
+                  <a:schemeClr val="tx1"/>
+                </a:solidFill>
+                <a:effectLst/>
+                <a:latin typeface="Arial Unicode MS" panose="020B0604020202020204" pitchFamily="50" charset="-127"/>
+                <a:ea typeface="var(--jp-code-font-family)"/>
+              </a:rPr>
+              <a:t> </a:t>
+            </a:r>
+            <a:r>
+              <a:rPr kumimoji="0" lang="ko-KR" altLang="ko-KR" sz="500" b="0" i="0" u="none" strike="noStrike" cap="none" normalizeH="0" baseline="0" dirty="0" smtClean="0">
+                <a:ln>
+                  <a:noFill/>
+                </a:ln>
+                <a:solidFill>
+                  <a:schemeClr val="tx1"/>
+                </a:solidFill>
+                <a:effectLst/>
+                <a:latin typeface="Arial Unicode MS" panose="020B0604020202020204" pitchFamily="50" charset="-127"/>
+                <a:ea typeface="var(--jp-code-font-family)"/>
+              </a:rPr>
+              <a:t>0, 7, 7, 7, 7, 7, 7, 7, 7, 7, 7, 10, 7, 2, 6, 10, 3, 7, 10, 11, 4, 11, 11, 11, 2, 11, 11, 4, 3, 10, 7, 7, 2, 6, 10, 3, 10, 7, 7, 7, 7, 7, 7, 7, 7, 7, 7, 8</a:t>
+            </a:r>
+            <a:r>
+              <a:rPr kumimoji="0" lang="en-US" altLang="ko-KR" sz="500" b="0" i="0" u="none" strike="noStrike" cap="none" normalizeH="0" baseline="0" dirty="0" smtClean="0">
+                <a:ln>
+                  <a:noFill/>
+                </a:ln>
+                <a:solidFill>
+                  <a:schemeClr val="tx1"/>
+                </a:solidFill>
+                <a:effectLst/>
+                <a:latin typeface="Arial Unicode MS" panose="020B0604020202020204" pitchFamily="50" charset="-127"/>
+                <a:ea typeface="var(--jp-code-font-family)"/>
+              </a:rPr>
+              <a:t> </a:t>
+            </a:r>
+            <a:r>
+              <a:rPr kumimoji="0" lang="ko-KR" altLang="ko-KR" sz="500" b="0" i="0" u="none" strike="noStrike" cap="none" normalizeH="0" baseline="0" dirty="0" smtClean="0">
+                <a:ln>
+                  <a:noFill/>
+                </a:ln>
+                <a:solidFill>
+                  <a:schemeClr val="tx1"/>
+                </a:solidFill>
+                <a:effectLst/>
+                <a:latin typeface="Arial Unicode MS" panose="020B0604020202020204" pitchFamily="50" charset="-127"/>
+                <a:ea typeface="var(--jp-code-font-family)"/>
+              </a:rPr>
+              <a:t>]</a:t>
+            </a:r>
+            <a:endParaRPr kumimoji="0" lang="en-US" altLang="ko-KR" sz="500" b="0" i="0" u="none" strike="noStrike" cap="none" normalizeH="0" baseline="0" dirty="0" smtClean="0">
+              <a:ln>
+                <a:noFill/>
+              </a:ln>
+              <a:solidFill>
+                <a:schemeClr val="tx1"/>
+              </a:solidFill>
+              <a:effectLst/>
+              <a:latin typeface="Arial Unicode MS" panose="020B0604020202020204" pitchFamily="50" charset="-127"/>
+              <a:ea typeface="var(--jp-code-font-family)"/>
+            </a:endParaRPr>
+          </a:p>
+          <a:p>
+            <a:pPr marL="0" marR="0" lvl="0" indent="0" algn="l" defTabSz="914400" rtl="0" eaLnBrk="0" fontAlgn="base" latinLnBrk="0" hangingPunct="0">
+              <a:lnSpc>
+                <a:spcPct val="100000"/>
+              </a:lnSpc>
+              <a:spcBef>
+                <a:spcPct val="0"/>
+              </a:spcBef>
+              <a:spcAft>
+                <a:spcPct val="0"/>
+              </a:spcAft>
+              <a:buClrTx/>
+              <a:buSzTx/>
+              <a:buFontTx/>
+              <a:buNone/>
+              <a:tabLst/>
+            </a:pPr>
+            <a:r>
+              <a:rPr lang="en-US" altLang="ko-KR" sz="500" dirty="0" smtClean="0">
+                <a:latin typeface="Arial Unicode MS" panose="020B0604020202020204" pitchFamily="50" charset="-127"/>
+                <a:ea typeface="var(--jp-code-font-family)"/>
+              </a:rPr>
+              <a:t>  …</a:t>
+            </a:r>
+            <a:endParaRPr kumimoji="0" lang="en-US" altLang="ko-KR" sz="500" b="0" i="0" u="none" strike="noStrike" cap="none" normalizeH="0" baseline="0" dirty="0" smtClean="0">
+              <a:ln>
+                <a:noFill/>
+              </a:ln>
+              <a:solidFill>
+                <a:schemeClr val="tx1"/>
+              </a:solidFill>
+              <a:effectLst/>
+              <a:latin typeface="Arial Unicode MS" panose="020B0604020202020204" pitchFamily="50" charset="-127"/>
+              <a:ea typeface="var(--jp-code-font-family)"/>
+            </a:endParaRPr>
+          </a:p>
+          <a:p>
+            <a:pPr marL="0" marR="0" lvl="0" indent="0" algn="l" defTabSz="914400" rtl="0" eaLnBrk="0" fontAlgn="base" latinLnBrk="0" hangingPunct="0">
+              <a:lnSpc>
+                <a:spcPct val="100000"/>
+              </a:lnSpc>
+              <a:spcBef>
+                <a:spcPct val="0"/>
+              </a:spcBef>
+              <a:spcAft>
+                <a:spcPct val="0"/>
+              </a:spcAft>
+              <a:buClrTx/>
+              <a:buSzTx/>
+              <a:buFontTx/>
+              <a:buNone/>
+              <a:tabLst/>
+            </a:pPr>
+            <a:r>
+              <a:rPr kumimoji="0" lang="ko-KR" altLang="ko-KR" sz="500" b="0" i="0" u="none" strike="noStrike" cap="none" normalizeH="0" baseline="0" dirty="0" smtClean="0">
+                <a:ln>
+                  <a:noFill/>
+                </a:ln>
+                <a:solidFill>
+                  <a:schemeClr val="tx1"/>
+                </a:solidFill>
+                <a:effectLst/>
+                <a:latin typeface="Arial Unicode MS" panose="020B0604020202020204" pitchFamily="50" charset="-127"/>
+                <a:ea typeface="var(--jp-code-font-family)"/>
+              </a:rPr>
+              <a:t>]</a:t>
+            </a:r>
+            <a:r>
+              <a:rPr kumimoji="0" lang="ko-KR" altLang="ko-KR" sz="300" b="0" i="0" u="none" strike="noStrike" cap="none" normalizeH="0" baseline="0" dirty="0" smtClean="0">
+                <a:ln>
+                  <a:noFill/>
+                </a:ln>
+                <a:solidFill>
+                  <a:schemeClr val="tx1"/>
+                </a:solidFill>
+                <a:effectLst/>
+              </a:rPr>
+              <a:t> </a:t>
+            </a:r>
+            <a:endParaRPr kumimoji="0" lang="ko-KR" altLang="ko-KR" sz="1050" b="0" i="0" u="none" strike="noStrike" cap="none" normalizeH="0" baseline="0" dirty="0" smtClean="0">
+              <a:ln>
+                <a:noFill/>
+              </a:ln>
+              <a:solidFill>
+                <a:schemeClr val="tx1"/>
+              </a:solidFill>
+              <a:effectLst/>
+              <a:latin typeface="Arial" panose="020B0604020202020204" pitchFamily="34" charset="0"/>
+            </a:endParaRPr>
+          </a:p>
+        </p:txBody>
+      </p:sp>
+      <p:sp>
+        <p:nvSpPr>
+          <p:cNvPr id="10" name="TextBox 9"/>
+          <p:cNvSpPr txBox="1"/>
+          <p:nvPr/>
+        </p:nvSpPr>
+        <p:spPr>
+          <a:xfrm>
+            <a:off x="6453160" y="4293096"/>
+            <a:ext cx="2172247" cy="276999"/>
+          </a:xfrm>
+          <a:prstGeom prst="rect">
+            <a:avLst/>
+          </a:prstGeom>
+          <a:noFill/>
+        </p:spPr>
+        <p:txBody>
+          <a:bodyPr wrap="square" rtlCol="0">
+            <a:spAutoFit/>
+          </a:bodyPr>
+          <a:lstStyle/>
+          <a:p>
+            <a:pPr algn="ctr"/>
+            <a:r>
+              <a:rPr lang="en-US" altLang="ko-KR" sz="1200" dirty="0" smtClean="0"/>
+              <a:t>Integer encoding</a:t>
+            </a:r>
+            <a:endParaRPr lang="ko-KR" altLang="en-US" sz="1200" dirty="0"/>
+          </a:p>
+        </p:txBody>
+      </p:sp>
+      <p:cxnSp>
+        <p:nvCxnSpPr>
+          <p:cNvPr id="12" name="직선 화살표 연결선 11"/>
+          <p:cNvCxnSpPr>
+            <a:stCxn id="4" idx="3"/>
+            <a:endCxn id="6" idx="1"/>
+          </p:cNvCxnSpPr>
+          <p:nvPr/>
+        </p:nvCxnSpPr>
+        <p:spPr bwMode="auto">
+          <a:xfrm>
+            <a:off x="3227931" y="4594662"/>
+            <a:ext cx="310077" cy="9212"/>
+          </a:xfrm>
+          <a:prstGeom prst="straightConnector1">
+            <a:avLst/>
+          </a:prstGeom>
+          <a:solidFill>
+            <a:schemeClr val="accent1"/>
+          </a:solidFill>
+          <a:ln w="9525" cap="flat" cmpd="sng" algn="ctr">
+            <a:solidFill>
+              <a:schemeClr val="tx1"/>
+            </a:solidFill>
+            <a:prstDash val="solid"/>
+            <a:round/>
+            <a:headEnd type="none" w="med" len="med"/>
+            <a:tailEnd type="triangle"/>
+          </a:ln>
+          <a:effectLst/>
+        </p:spPr>
+      </p:cxnSp>
+      <p:cxnSp>
+        <p:nvCxnSpPr>
+          <p:cNvPr id="13" name="직선 화살표 연결선 12"/>
+          <p:cNvCxnSpPr>
+            <a:stCxn id="7" idx="3"/>
+          </p:cNvCxnSpPr>
+          <p:nvPr/>
+        </p:nvCxnSpPr>
+        <p:spPr bwMode="auto">
+          <a:xfrm flipV="1">
+            <a:off x="4618128" y="4149080"/>
+            <a:ext cx="334872" cy="454795"/>
+          </a:xfrm>
+          <a:prstGeom prst="straightConnector1">
+            <a:avLst/>
+          </a:prstGeom>
+          <a:solidFill>
+            <a:schemeClr val="accent1"/>
+          </a:solidFill>
+          <a:ln w="9525" cap="flat" cmpd="sng" algn="ctr">
+            <a:solidFill>
+              <a:schemeClr val="tx1"/>
+            </a:solidFill>
+            <a:prstDash val="solid"/>
+            <a:round/>
+            <a:headEnd type="none" w="med" len="med"/>
+            <a:tailEnd type="triangle"/>
+          </a:ln>
+          <a:effectLst/>
+        </p:spPr>
+      </p:cxnSp>
+      <p:cxnSp>
+        <p:nvCxnSpPr>
+          <p:cNvPr id="19" name="직선 화살표 연결선 18"/>
+          <p:cNvCxnSpPr/>
+          <p:nvPr/>
+        </p:nvCxnSpPr>
+        <p:spPr bwMode="auto">
+          <a:xfrm>
+            <a:off x="7401272" y="4581128"/>
+            <a:ext cx="0" cy="360040"/>
+          </a:xfrm>
+          <a:prstGeom prst="straightConnector1">
+            <a:avLst/>
+          </a:prstGeom>
+          <a:solidFill>
+            <a:schemeClr val="accent1"/>
+          </a:solidFill>
+          <a:ln w="9525" cap="flat" cmpd="sng" algn="ctr">
+            <a:solidFill>
+              <a:schemeClr val="tx1"/>
+            </a:solidFill>
+            <a:prstDash val="solid"/>
+            <a:round/>
+            <a:headEnd type="none" w="med" len="med"/>
+            <a:tailEnd type="triangle"/>
+          </a:ln>
+          <a:effectLst/>
+        </p:spPr>
+      </p:cxnSp>
+      <p:sp>
+        <p:nvSpPr>
+          <p:cNvPr id="21" name="TextBox 20"/>
+          <p:cNvSpPr txBox="1"/>
+          <p:nvPr/>
+        </p:nvSpPr>
+        <p:spPr>
+          <a:xfrm>
+            <a:off x="6661554" y="6531827"/>
+            <a:ext cx="1479433" cy="276999"/>
+          </a:xfrm>
+          <a:prstGeom prst="rect">
+            <a:avLst/>
+          </a:prstGeom>
+          <a:noFill/>
+        </p:spPr>
+        <p:txBody>
+          <a:bodyPr wrap="square" rtlCol="0">
+            <a:spAutoFit/>
+          </a:bodyPr>
+          <a:lstStyle/>
+          <a:p>
+            <a:pPr algn="ctr"/>
+            <a:r>
+              <a:rPr lang="en-US" altLang="ko-KR" sz="1200" dirty="0" smtClean="0"/>
+              <a:t>One-hot encoding</a:t>
+            </a:r>
+            <a:endParaRPr lang="ko-KR" altLang="en-US" sz="1200" dirty="0"/>
+          </a:p>
+        </p:txBody>
+      </p:sp>
+      <p:sp>
+        <p:nvSpPr>
+          <p:cNvPr id="23" name="직사각형 22"/>
+          <p:cNvSpPr/>
+          <p:nvPr/>
+        </p:nvSpPr>
+        <p:spPr>
+          <a:xfrm>
+            <a:off x="3077757" y="6072433"/>
+            <a:ext cx="2260476" cy="430887"/>
+          </a:xfrm>
+          <a:prstGeom prst="rect">
+            <a:avLst/>
+          </a:prstGeom>
+        </p:spPr>
+        <p:txBody>
+          <a:bodyPr wrap="square">
+            <a:spAutoFit/>
+          </a:bodyPr>
+          <a:lstStyle/>
+          <a:p>
+            <a:r>
+              <a:rPr lang="ko-KR" altLang="en-US" sz="1100" dirty="0" smtClean="0"/>
+              <a:t>논문에서 </a:t>
+            </a:r>
+            <a:r>
+              <a:rPr lang="en-US" altLang="ko-KR" sz="1100" dirty="0" smtClean="0"/>
+              <a:t>2 </a:t>
+            </a:r>
+            <a:r>
+              <a:rPr lang="ko-KR" altLang="en-US" sz="1100" dirty="0"/>
+              <a:t>글자 </a:t>
+            </a:r>
+            <a:r>
+              <a:rPr lang="ko-KR" altLang="en-US" sz="1100" dirty="0" smtClean="0"/>
+              <a:t>원소기호의</a:t>
+            </a:r>
+            <a:endParaRPr lang="en-US" altLang="ko-KR" sz="1100" dirty="0" smtClean="0"/>
+          </a:p>
+          <a:p>
+            <a:r>
+              <a:rPr lang="en-US" altLang="ko-KR" sz="1100" dirty="0" smtClean="0"/>
+              <a:t>integer </a:t>
+            </a:r>
+            <a:r>
+              <a:rPr lang="en-US" altLang="ko-KR" sz="1100" dirty="0"/>
+              <a:t>encoding </a:t>
+            </a:r>
+            <a:r>
+              <a:rPr lang="ko-KR" altLang="en-US" sz="1100" dirty="0"/>
+              <a:t>방법 설명 없음</a:t>
+            </a:r>
+          </a:p>
+        </p:txBody>
+      </p:sp>
+      <p:sp>
+        <p:nvSpPr>
+          <p:cNvPr id="24" name="직사각형 23"/>
+          <p:cNvSpPr/>
+          <p:nvPr/>
+        </p:nvSpPr>
+        <p:spPr>
+          <a:xfrm>
+            <a:off x="8407610" y="5595955"/>
+            <a:ext cx="1056700" cy="369332"/>
+          </a:xfrm>
+          <a:prstGeom prst="rect">
+            <a:avLst/>
+          </a:prstGeom>
+        </p:spPr>
+        <p:txBody>
+          <a:bodyPr wrap="none">
+            <a:spAutoFit/>
+          </a:bodyPr>
+          <a:lstStyle/>
+          <a:p>
+            <a:r>
+              <a:rPr lang="ko-KR" altLang="en-US" dirty="0"/>
+              <a:t>→ </a:t>
+            </a:r>
+            <a:r>
+              <a:rPr lang="en-US" altLang="ko-KR" dirty="0"/>
+              <a:t>LSTM</a:t>
+            </a:r>
+            <a:endParaRPr lang="ko-KR" altLang="en-US" dirty="0"/>
+          </a:p>
+        </p:txBody>
+      </p:sp>
+      <p:pic>
+        <p:nvPicPr>
+          <p:cNvPr id="25" name="그림 24"/>
+          <p:cNvPicPr>
+            <a:picLocks noChangeAspect="1"/>
+          </p:cNvPicPr>
+          <p:nvPr/>
+        </p:nvPicPr>
+        <p:blipFill>
+          <a:blip r:embed="rId5"/>
+          <a:stretch>
+            <a:fillRect/>
+          </a:stretch>
+        </p:blipFill>
+        <p:spPr>
+          <a:xfrm>
+            <a:off x="6698901" y="5065147"/>
+            <a:ext cx="1404741" cy="1430949"/>
+          </a:xfrm>
+          <a:prstGeom prst="rect">
+            <a:avLst/>
+          </a:prstGeom>
+        </p:spPr>
+      </p:pic>
+    </p:spTree>
+    <p:extLst>
+      <p:ext uri="{BB962C8B-B14F-4D97-AF65-F5344CB8AC3E}">
+        <p14:creationId xmlns:p14="http://schemas.microsoft.com/office/powerpoint/2010/main" val="1801922464"/>
+      </p:ext>
+    </p:extLst>
+  </p:cSld>
+  <p:clrMapOvr>
+    <a:masterClrMapping/>
+  </p:clrMapOvr>
+  <mc:AlternateContent xmlns:mc="http://schemas.openxmlformats.org/markup-compatibility/2006" xmlns:p14="http://schemas.microsoft.com/office/powerpoint/2010/main">
+    <mc:Choice Requires="p14">
+      <p:transition spd="med" p14:dur="700">
+        <p:fade/>
+      </p:transition>
+    </mc:Choice>
+    <mc:Fallback xmlns="">
+      <p:transition spd="med">
+        <p:fade/>
+      </p:transition>
+    </mc:Fallback>
+  </mc:AlternateContent>
+  <p:timing>
+    <p:tnLst>
+      <p:par>
+        <p:cTn id="1" dur="indefinite" restart="never" nodeType="tmRoot"/>
+      </p:par>
+    </p:tnLst>
+  </p:timing>
+</p:sld>
+</file>
+
+<file path=ppt/slides/slide4.xml><?xml version="1.0" encoding="utf-8"?>
+<p:sld xmlns:a="http://schemas.openxmlformats.org/drawingml/2006/main" xmlns:r="http://schemas.openxmlformats.org/officeDocument/2006/relationships" xmlns:p="http://schemas.openxmlformats.org/presentationml/2006/main">
+  <p:cSld>
+    <p:spTree>
+      <p:nvGrpSpPr>
+        <p:cNvPr id="1" name=""/>
+        <p:cNvGrpSpPr/>
+        <p:nvPr/>
+      </p:nvGrpSpPr>
+      <p:grpSpPr>
+        <a:xfrm>
+          <a:off x="0" y="0"/>
+          <a:ext cx="0" cy="0"/>
+          <a:chOff x="0" y="0"/>
+          <a:chExt cx="0" cy="0"/>
+        </a:xfrm>
+      </p:grpSpPr>
+      <p:sp>
+        <p:nvSpPr>
           <p:cNvPr id="2" name="TextBox 1"/>
           <p:cNvSpPr txBox="1"/>
           <p:nvPr/>
@@ -11418,15 +12563,7 @@
             <a:pPr algn="ctr"/>
             <a:r>
               <a:rPr lang="en-US" altLang="ko-KR" b="1" dirty="0" smtClean="0"/>
-              <a:t>  </a:t>
-            </a:r>
-            <a:r>
-              <a:rPr lang="en-US" altLang="ko-KR" b="1" dirty="0" smtClean="0"/>
-              <a:t>th</a:t>
-            </a:r>
-            <a:r>
-              <a:rPr lang="en-US" altLang="ko-KR" b="1" dirty="0" smtClean="0"/>
-              <a:t>kim@insilico.co.kr</a:t>
+              <a:t>  thkim@insilico.co.kr</a:t>
             </a:r>
             <a:endParaRPr lang="ko-KR" altLang="en-US" b="1" dirty="0"/>
           </a:p>
